--- a/docs/Presentation_Preproposal.pptx
+++ b/docs/Presentation_Preproposal.pptx
@@ -113,6 +113,14 @@
       </a:defRPr>
     </a:lvl9pPr>
   </p:defaultTextStyle>
+  <p:extLst>
+    <p:ext uri="{EFAFB233-063F-42B5-8137-9DF3F51BA10A}">
+      <p15:sldGuideLst xmlns:p15="http://schemas.microsoft.com/office/powerpoint/2012/main"/>
+    </p:ext>
+    <p:ext uri="{2D200454-40CA-4A62-9FC3-DE9A4176ACB9}">
+      <p15:notesGuideLst xmlns:p15="http://schemas.microsoft.com/office/powerpoint/2012/main"/>
+    </p:ext>
+  </p:extLst>
 </p:presentation>
 </file>
 
@@ -198,7 +206,7 @@
           <a:p>
             <a:fld id="{545EC216-7F91-4732-9F4C-FC6865B1CBBC}" type="datetimeFigureOut">
               <a:rPr lang="en-US" smtClean="0"/>
-              <a:t>1/9/2018</a:t>
+              <a:t>1/11/2018</a:t>
             </a:fld>
             <a:endParaRPr lang="en-US"/>
           </a:p>
@@ -293,7 +301,6 @@
               <a:rPr lang="en-US"/>
               <a:t>Fifth level</a:t>
             </a:r>
-            <a:endParaRPr lang="en-US"/>
           </a:p>
         </p:txBody>
       </p:sp>
@@ -869,7 +876,7 @@
           <a:p>
             <a:fld id="{E8711E4E-7B74-4242-A42A-5512C534F4F2}" type="datetimeFigureOut">
               <a:rPr lang="en-US" smtClean="0"/>
-              <a:t>1/9/2018</a:t>
+              <a:t>1/11/2018</a:t>
             </a:fld>
             <a:endParaRPr lang="en-US"/>
           </a:p>
@@ -1048,7 +1055,7 @@
           <a:p>
             <a:fld id="{E8711E4E-7B74-4242-A42A-5512C534F4F2}" type="datetimeFigureOut">
               <a:rPr lang="en-US" smtClean="0"/>
-              <a:t>1/9/2018</a:t>
+              <a:t>1/11/2018</a:t>
             </a:fld>
             <a:endParaRPr lang="en-US"/>
           </a:p>
@@ -1228,7 +1235,7 @@
           <a:p>
             <a:fld id="{E8711E4E-7B74-4242-A42A-5512C534F4F2}" type="datetimeFigureOut">
               <a:rPr lang="en-US" smtClean="0"/>
-              <a:t>1/9/2018</a:t>
+              <a:t>1/11/2018</a:t>
             </a:fld>
             <a:endParaRPr lang="en-US"/>
           </a:p>
@@ -1398,7 +1405,7 @@
           <a:p>
             <a:fld id="{E8711E4E-7B74-4242-A42A-5512C534F4F2}" type="datetimeFigureOut">
               <a:rPr lang="en-US" smtClean="0"/>
-              <a:t>1/9/2018</a:t>
+              <a:t>1/11/2018</a:t>
             </a:fld>
             <a:endParaRPr lang="en-US"/>
           </a:p>
@@ -1752,7 +1759,7 @@
           <a:p>
             <a:fld id="{E8711E4E-7B74-4242-A42A-5512C534F4F2}" type="datetimeFigureOut">
               <a:rPr lang="en-US" smtClean="0"/>
-              <a:t>1/9/2018</a:t>
+              <a:t>1/11/2018</a:t>
             </a:fld>
             <a:endParaRPr lang="en-US"/>
           </a:p>
@@ -2138,7 +2145,7 @@
           <a:p>
             <a:fld id="{E8711E4E-7B74-4242-A42A-5512C534F4F2}" type="datetimeFigureOut">
               <a:rPr lang="en-US" smtClean="0"/>
-              <a:t>1/9/2018</a:t>
+              <a:t>1/11/2018</a:t>
             </a:fld>
             <a:endParaRPr lang="en-US"/>
           </a:p>
@@ -2572,7 +2579,7 @@
           <a:p>
             <a:fld id="{E8711E4E-7B74-4242-A42A-5512C534F4F2}" type="datetimeFigureOut">
               <a:rPr lang="en-US" smtClean="0"/>
-              <a:t>1/9/2018</a:t>
+              <a:t>1/11/2018</a:t>
             </a:fld>
             <a:endParaRPr lang="en-US"/>
           </a:p>
@@ -2690,7 +2697,7 @@
           <a:p>
             <a:fld id="{E8711E4E-7B74-4242-A42A-5512C534F4F2}" type="datetimeFigureOut">
               <a:rPr lang="en-US" smtClean="0"/>
-              <a:t>1/9/2018</a:t>
+              <a:t>1/11/2018</a:t>
             </a:fld>
             <a:endParaRPr lang="en-US"/>
           </a:p>
@@ -2826,7 +2833,7 @@
           <a:p>
             <a:fld id="{E8711E4E-7B74-4242-A42A-5512C534F4F2}" type="datetimeFigureOut">
               <a:rPr lang="en-US" smtClean="0"/>
-              <a:t>1/9/2018</a:t>
+              <a:t>1/11/2018</a:t>
             </a:fld>
             <a:endParaRPr lang="en-US"/>
           </a:p>
@@ -3176,7 +3183,7 @@
           <a:p>
             <a:fld id="{E8711E4E-7B74-4242-A42A-5512C534F4F2}" type="datetimeFigureOut">
               <a:rPr lang="en-US" smtClean="0"/>
-              <a:t>1/9/2018</a:t>
+              <a:t>1/11/2018</a:t>
             </a:fld>
             <a:endParaRPr lang="en-US"/>
           </a:p>
@@ -3601,7 +3608,7 @@
           <a:p>
             <a:fld id="{E8711E4E-7B74-4242-A42A-5512C534F4F2}" type="datetimeFigureOut">
               <a:rPr lang="en-US" smtClean="0"/>
-              <a:t>1/9/2018</a:t>
+              <a:t>1/11/2018</a:t>
             </a:fld>
             <a:endParaRPr lang="en-US"/>
           </a:p>
@@ -3882,7 +3889,7 @@
           <a:p>
             <a:fld id="{E8711E4E-7B74-4242-A42A-5512C534F4F2}" type="datetimeFigureOut">
               <a:rPr lang="en-US" smtClean="0"/>
-              <a:t>1/9/2018</a:t>
+              <a:t>1/11/2018</a:t>
             </a:fld>
             <a:endParaRPr lang="en-US"/>
           </a:p>
@@ -4796,7 +4803,13 @@
           <a:p>
             <a:r>
               <a:rPr lang="en-US" sz="2400" dirty="0"/>
-              <a:t>Use web crawler to obtain the data (or use Reuters corpus in addition)</a:t>
+              <a:t>Use Twitter API to obtain the data (or use Reuters corpus in addition)</a:t>
+            </a:r>
+          </a:p>
+          <a:p>
+            <a:r>
+              <a:rPr lang="en-US" sz="2400" dirty="0"/>
+              <a:t>Analyze tweets from authors of different domains (e. g. news, sports, … Trump LOL)</a:t>
             </a:r>
           </a:p>
           <a:p>
@@ -4884,7 +4897,7 @@
         <p:spPr/>
         <p:txBody>
           <a:bodyPr>
-            <a:normAutofit lnSpcReduction="10000"/>
+            <a:normAutofit fontScale="92500" lnSpcReduction="20000"/>
           </a:bodyPr>
           <a:lstStyle/>
           <a:p>
@@ -4918,7 +4931,14 @@
             <a:pPr lvl="1"/>
             <a:r>
               <a:rPr lang="en-US" sz="2200" dirty="0"/>
-              <a:t>JSoup</a:t>
+              <a:t>Jsoup</a:t>
+            </a:r>
+          </a:p>
+          <a:p>
+            <a:pPr lvl="1"/>
+            <a:r>
+              <a:rPr lang="en-US" sz="2200" dirty="0"/>
+              <a:t>TKPro/TKPro TC</a:t>
             </a:r>
           </a:p>
           <a:p>
@@ -4977,6 +4997,13 @@
               <a:t>https://github.com/yasserg/crawler4j/</a:t>
             </a:r>
             <a:endParaRPr lang="en-US" sz="2200" dirty="0"/>
+          </a:p>
+          <a:p>
+            <a:pPr lvl="1"/>
+            <a:r>
+              <a:rPr lang="en-US" sz="2200" dirty="0"/>
+              <a:t>Twitter API</a:t>
+            </a:r>
           </a:p>
           <a:p>
             <a:pPr lvl="1"/>
@@ -5128,7 +5155,6 @@
               <a:rPr lang="en-US" b="1" dirty="0"/>
               <a:t>Clemens Biehl, Daniel Wehner</a:t>
             </a:r>
-            <a:endParaRPr lang="en-US" b="1" dirty="0"/>
           </a:p>
         </p:txBody>
       </p:sp>
@@ -8037,7 +8063,6 @@
               <a:rPr lang="en-US" dirty="0"/>
               <a:t>Fabian Otto, Clemens Biehl, Philipp Kapelle, Daniel Wehner</a:t>
             </a:r>
-            <a:endParaRPr lang="en-US" dirty="0"/>
           </a:p>
         </p:txBody>
       </p:sp>

--- a/docs/Presentation_Preproposal.pptx
+++ b/docs/Presentation_Preproposal.pptx
@@ -4628,7 +4628,7 @@
           <a:p>
             <a:r>
               <a:rPr lang="en-US" sz="2400" dirty="0"/>
-              <a:t>Detecting authors based on texts that they have written</a:t>
+              <a:t>Analyze tweets from authors of different domains (e. g. news, sports, politics, …)</a:t>
             </a:r>
           </a:p>
           <a:p>
@@ -4661,9 +4661,9 @@
             <a:endParaRPr lang="en-US" sz="2200" dirty="0"/>
           </a:p>
           <a:p>
-            <a:endParaRPr lang="en-US" sz="2400" dirty="0"/>
-          </a:p>
-          <a:p>
+            <a:pPr marL="0" indent="0">
+              <a:buNone/>
+            </a:pPr>
             <a:endParaRPr lang="en-US" sz="2400" dirty="0"/>
           </a:p>
           <a:p>
@@ -4714,8 +4714,8 @@
         </p:blipFill>
         <p:spPr bwMode="auto">
           <a:xfrm>
-            <a:off x="3847379" y="3345436"/>
-            <a:ext cx="3211633" cy="2131013"/>
+            <a:off x="4477107" y="3664148"/>
+            <a:ext cx="2510289" cy="1665651"/>
           </a:xfrm>
           <a:prstGeom prst="rect">
             <a:avLst/>
@@ -4797,31 +4797,31 @@
         <p:spPr/>
         <p:txBody>
           <a:bodyPr>
-            <a:normAutofit/>
+            <a:normAutofit fontScale="92500"/>
           </a:bodyPr>
           <a:lstStyle/>
           <a:p>
             <a:r>
               <a:rPr lang="en-US" sz="2400" dirty="0"/>
-              <a:t>Use Twitter API to obtain the data (or use Reuters corpus in addition)</a:t>
+              <a:t>Use Twitter API to obtain the raw data because it offers a variety of tweets from different domains (or use ANC corpus in addition)</a:t>
             </a:r>
           </a:p>
           <a:p>
             <a:r>
               <a:rPr lang="en-US" sz="2400" dirty="0"/>
-              <a:t>Analyze tweets from authors of different domains (e. g. news, sports, … Trump LOL)</a:t>
+              <a:t>Preprocessing of raw data using DKPro (Tokenization, POS-Tagging, Normalization, Chunking, …)</a:t>
             </a:r>
           </a:p>
           <a:p>
             <a:r>
               <a:rPr lang="en-US" sz="2400" dirty="0"/>
-              <a:t>Extract features based on style of writing (vocabulary, linguistic style, grammar, …)</a:t>
+              <a:t>Data exploration and extraction of domain-specific features based on style of writing (vocabulary, linguistic style, grammar, emoticons, hashtags, …)</a:t>
             </a:r>
           </a:p>
           <a:p>
             <a:r>
               <a:rPr lang="en-US" sz="2400" dirty="0"/>
-              <a:t>Train several classifiers to perform the classification task (e. g. Artificial Neural Networks, Naïve-Bayes, …)</a:t>
+              <a:t>Train several state-of-the-art classifiers to perform the classification task (e. g. Artificial Neural Networks, Naïve-Bayes, …) and tuning of parameters, feature and model selection</a:t>
             </a:r>
           </a:p>
           <a:p>
@@ -4897,7 +4897,7 @@
         <p:spPr/>
         <p:txBody>
           <a:bodyPr>
-            <a:normAutofit fontScale="92500" lnSpcReduction="20000"/>
+            <a:normAutofit fontScale="85000" lnSpcReduction="20000"/>
           </a:bodyPr>
           <a:lstStyle/>
           <a:p>
@@ -4910,6 +4910,14 @@
             <a:pPr lvl="1"/>
             <a:r>
               <a:rPr lang="en-US" sz="2200" dirty="0"/>
+              <a:t>DKPro (Preprocessing of raw data)/DKPro TC</a:t>
+            </a:r>
+            <a:endParaRPr lang="en-US" sz="2200" dirty="0"/>
+          </a:p>
+          <a:p>
+            <a:pPr lvl="1"/>
+            <a:r>
+              <a:rPr lang="en-US" sz="2200" dirty="0"/>
               <a:t>Weka</a:t>
             </a:r>
           </a:p>
@@ -4935,13 +4943,6 @@
             </a:r>
           </a:p>
           <a:p>
-            <a:pPr lvl="1"/>
-            <a:r>
-              <a:rPr lang="en-US" sz="2200" dirty="0"/>
-              <a:t>TKPro/TKPro TC</a:t>
-            </a:r>
-          </a:p>
-          <a:p>
             <a:r>
               <a:rPr lang="en-US" sz="2400" dirty="0"/>
               <a:t>Resources</a:t>
@@ -4951,7 +4952,7 @@
             <a:pPr lvl="1"/>
             <a:r>
               <a:rPr lang="en-US" sz="2200" dirty="0"/>
-              <a:t>News Authorship Identiﬁcation with Deep Learning</a:t>
+              <a:t>Twitter API</a:t>
             </a:r>
             <a:br>
               <a:rPr lang="en-US" sz="2200" dirty="0"/>
@@ -4960,7 +4961,7 @@
               <a:rPr lang="en-US" sz="2200" dirty="0">
                 <a:hlinkClick r:id="rId2"/>
               </a:rPr>
-              <a:t>https://cs224d.stanford.edu/reports/ZhouWang.pdf</a:t>
+              <a:t>https://developer.twitter.com/en/docs/tweets/search/overview</a:t>
             </a:r>
             <a:endParaRPr lang="en-US" sz="2200" dirty="0"/>
           </a:p>
@@ -4968,7 +4969,7 @@
             <a:pPr lvl="1"/>
             <a:r>
               <a:rPr lang="en-US" sz="2200" dirty="0"/>
-              <a:t>ILSP Focused Crawler</a:t>
+              <a:t>News Authorship Identiﬁcation with Deep Learning</a:t>
             </a:r>
             <a:br>
               <a:rPr lang="en-US" sz="2200" dirty="0"/>
@@ -4977,7 +4978,7 @@
               <a:rPr lang="en-US" sz="2200" dirty="0">
                 <a:hlinkClick r:id="rId3"/>
               </a:rPr>
-              <a:t>http://nlp.ilsp.gr/redmine/projects/ilsp-fc/wiki/Getting_Started</a:t>
+              <a:t>https://cs224d.stanford.edu/reports/ZhouWang.pdf</a:t>
             </a:r>
             <a:endParaRPr lang="en-US" sz="2200" dirty="0"/>
           </a:p>
@@ -4985,7 +4986,7 @@
             <a:pPr lvl="1"/>
             <a:r>
               <a:rPr lang="en-US" sz="2200" dirty="0"/>
-              <a:t>Crawler4J:</a:t>
+              <a:t>(ILSP Focused Crawler)</a:t>
             </a:r>
             <a:br>
               <a:rPr lang="en-US" sz="2200" dirty="0"/>
@@ -4994,16 +4995,26 @@
               <a:rPr lang="en-US" sz="2200" dirty="0">
                 <a:hlinkClick r:id="rId4"/>
               </a:rPr>
+              <a:t>http://nlp.ilsp.gr/redmine/projects/ilsp-fc/wiki/Getting_Started</a:t>
+            </a:r>
+            <a:endParaRPr lang="en-US" sz="2200" dirty="0"/>
+          </a:p>
+          <a:p>
+            <a:pPr lvl="1"/>
+            <a:r>
+              <a:rPr lang="en-US" sz="2200" dirty="0"/>
+              <a:t>(Crawler4J)</a:t>
+            </a:r>
+            <a:br>
+              <a:rPr lang="en-US" sz="2200" dirty="0"/>
+            </a:br>
+            <a:r>
+              <a:rPr lang="en-US" sz="2200" dirty="0">
+                <a:hlinkClick r:id="rId5"/>
+              </a:rPr>
               <a:t>https://github.com/yasserg/crawler4j/</a:t>
             </a:r>
             <a:endParaRPr lang="en-US" sz="2200" dirty="0"/>
-          </a:p>
-          <a:p>
-            <a:pPr lvl="1"/>
-            <a:r>
-              <a:rPr lang="en-US" sz="2200" dirty="0"/>
-              <a:t>Twitter API</a:t>
-            </a:r>
           </a:p>
           <a:p>
             <a:pPr lvl="1"/>
@@ -7107,7 +7118,7 @@
             </a:prstGeom>
             <a:ln w="9525" cap="flat" cmpd="sng" algn="ctr">
               <a:solidFill>
-                <a:srgbClr val="9BBB59"/>
+                <a:srgbClr val="FF0000"/>
               </a:solidFill>
               <a:prstDash val="solid"/>
               <a:miter lim="800000"/>
@@ -7149,7 +7160,7 @@
               <a:avLst/>
             </a:prstGeom>
             <a:solidFill>
-              <a:srgbClr val="9BBB59"/>
+              <a:srgbClr val="FF0000"/>
             </a:solidFill>
             <a:ln w="12700" cap="flat" cmpd="sng" algn="ctr">
               <a:noFill/>
@@ -7313,7 +7324,7 @@
             </a:prstGeom>
             <a:ln w="9525" cap="flat" cmpd="sng" algn="ctr">
               <a:solidFill>
-                <a:srgbClr val="9BBB59"/>
+                <a:srgbClr val="FF0000"/>
               </a:solidFill>
               <a:prstDash val="solid"/>
               <a:miter lim="800000"/>
@@ -7355,7 +7366,7 @@
               <a:avLst/>
             </a:prstGeom>
             <a:solidFill>
-              <a:srgbClr val="9BBB59"/>
+              <a:srgbClr val="FF0000"/>
             </a:solidFill>
             <a:ln w="12700" cap="flat" cmpd="sng" algn="ctr">
               <a:noFill/>
@@ -7829,7 +7840,7 @@
           </a:prstGeom>
           <a:ln w="9525" cap="flat" cmpd="sng" algn="ctr">
             <a:solidFill>
-              <a:srgbClr val="9BBB59"/>
+              <a:srgbClr val="FF0000"/>
             </a:solidFill>
             <a:prstDash val="solid"/>
             <a:miter lim="800000"/>
@@ -7871,7 +7882,7 @@
             <a:avLst/>
           </a:prstGeom>
           <a:solidFill>
-            <a:srgbClr val="9BBB59"/>
+            <a:srgbClr val="FF0000"/>
           </a:solidFill>
           <a:ln w="12700" cap="flat" cmpd="sng" algn="ctr">
             <a:noFill/>
@@ -7887,28 +7898,6 @@
             <a:bevelT h="12700"/>
           </a:sp3d>
           <a:extLst>
-            <a:ext uri="{91240B29-F687-4F45-9708-019B960494DF}">
-              <a14:hiddenLine xmlns:a14="http://schemas.microsoft.com/office/drawing/2010/main" w="12700" cap="flat" cmpd="sng" algn="ctr">
-                <a:solidFill>
-                  <a:schemeClr val="accent1">
-                    <a:shade val="50000"/>
-                  </a:schemeClr>
-                </a:solidFill>
-                <a:prstDash val="solid"/>
-                <a:miter lim="800000"/>
-              </a14:hiddenLine>
-            </a:ext>
-            <a:ext uri="{AF507438-7753-43E0-B8FC-AC1667EBCBE1}">
-              <a14:hiddenEffects xmlns:a14="http://schemas.microsoft.com/office/drawing/2010/main">
-                <a:effectLst>
-                  <a:outerShdw>
-                    <a:scrgbClr r="0" g="0" b="0">
-                      <a:alpha val="50000"/>
-                    </a:scrgbClr>
-                  </a:outerShdw>
-                </a:effectLst>
-              </a14:hiddenEffects>
-            </a:ext>
             <a:ext uri="{53640926-AAD7-44D8-BBD7-CCE9431645EC}">
               <a14:shadowObscured xmlns:a14="http://schemas.microsoft.com/office/drawing/2010/main" val="1"/>
             </a:ext>
